--- a/LSTM_Transformer.pptx
+++ b/LSTM_Transformer.pptx
@@ -5,18 +5,19 @@
     <p:sldMasterId id="2147483648" r:id="rId1"/>
   </p:sldMasterIdLst>
   <p:notesMasterIdLst>
-    <p:notesMasterId r:id="rId11"/>
+    <p:notesMasterId r:id="rId12"/>
   </p:notesMasterIdLst>
   <p:sldIdLst>
     <p:sldId id="256" r:id="rId2"/>
     <p:sldId id="262" r:id="rId3"/>
     <p:sldId id="258" r:id="rId4"/>
-    <p:sldId id="259" r:id="rId5"/>
-    <p:sldId id="257" r:id="rId6"/>
-    <p:sldId id="261" r:id="rId7"/>
-    <p:sldId id="263" r:id="rId8"/>
-    <p:sldId id="264" r:id="rId9"/>
-    <p:sldId id="260" r:id="rId10"/>
+    <p:sldId id="265" r:id="rId5"/>
+    <p:sldId id="259" r:id="rId6"/>
+    <p:sldId id="257" r:id="rId7"/>
+    <p:sldId id="261" r:id="rId8"/>
+    <p:sldId id="263" r:id="rId9"/>
+    <p:sldId id="264" r:id="rId10"/>
+    <p:sldId id="260" r:id="rId11"/>
   </p:sldIdLst>
   <p:sldSz cx="12192000" cy="6858000"/>
   <p:notesSz cx="6858000" cy="9144000"/>
@@ -537,7 +538,7 @@
           <a:p>
             <a:fld id="{D6525291-998D-4ACC-9404-95973D62A174}" type="slidenum">
               <a:rPr lang="ko-KR" altLang="en-US" smtClean="0"/>
-              <a:t>4</a:t>
+              <a:t>5</a:t>
             </a:fld>
             <a:endParaRPr lang="ko-KR" altLang="en-US"/>
           </a:p>
@@ -3854,6 +3855,122 @@
 </p:sld>
 </file>
 
+<file path=ppt/slides/slide10.xml><?xml version="1.0" encoding="utf-8"?>
+<p:sld xmlns:a="http://schemas.openxmlformats.org/drawingml/2006/main" xmlns:r="http://schemas.openxmlformats.org/officeDocument/2006/relationships" xmlns:p="http://schemas.openxmlformats.org/presentationml/2006/main">
+  <p:cSld>
+    <p:spTree>
+      <p:nvGrpSpPr>
+        <p:cNvPr id="1" name=""/>
+        <p:cNvGrpSpPr/>
+        <p:nvPr/>
+      </p:nvGrpSpPr>
+      <p:grpSpPr>
+        <a:xfrm>
+          <a:off x="0" y="0"/>
+          <a:ext cx="0" cy="0"/>
+          <a:chOff x="0" y="0"/>
+          <a:chExt cx="0" cy="0"/>
+        </a:xfrm>
+      </p:grpSpPr>
+      <p:sp>
+        <p:nvSpPr>
+          <p:cNvPr id="2" name="제목 1">
+            <a:extLst>
+              <a:ext uri="{FF2B5EF4-FFF2-40B4-BE49-F238E27FC236}">
+                <a16:creationId xmlns:a16="http://schemas.microsoft.com/office/drawing/2014/main" id="{085C87DA-E550-D2D1-9BBD-9392C2209A57}"/>
+              </a:ext>
+            </a:extLst>
+          </p:cNvPr>
+          <p:cNvSpPr>
+            <a:spLocks noGrp="1"/>
+          </p:cNvSpPr>
+          <p:nvPr>
+            <p:ph type="title"/>
+          </p:nvPr>
+        </p:nvSpPr>
+        <p:spPr/>
+        <p:txBody>
+          <a:bodyPr/>
+          <a:lstStyle/>
+          <a:p>
+            <a:r>
+              <a:rPr lang="ko-KR" altLang="en-US" dirty="0"/>
+              <a:t>참고자료</a:t>
+            </a:r>
+          </a:p>
+        </p:txBody>
+      </p:sp>
+      <p:sp>
+        <p:nvSpPr>
+          <p:cNvPr id="3" name="내용 개체 틀 2">
+            <a:extLst>
+              <a:ext uri="{FF2B5EF4-FFF2-40B4-BE49-F238E27FC236}">
+                <a16:creationId xmlns:a16="http://schemas.microsoft.com/office/drawing/2014/main" id="{FC01AECF-6CDF-59EF-6C50-E65929BE1DC9}"/>
+              </a:ext>
+            </a:extLst>
+          </p:cNvPr>
+          <p:cNvSpPr>
+            <a:spLocks noGrp="1"/>
+          </p:cNvSpPr>
+          <p:nvPr>
+            <p:ph idx="1"/>
+          </p:nvPr>
+        </p:nvSpPr>
+        <p:spPr/>
+        <p:txBody>
+          <a:bodyPr/>
+          <a:lstStyle/>
+          <a:p>
+            <a:pPr marL="0" indent="0">
+              <a:buNone/>
+            </a:pPr>
+            <a:r>
+              <a:rPr lang="en-US" altLang="ko-KR" dirty="0"/>
+              <a:t>Attention Is All You Need, 2017</a:t>
+            </a:r>
+          </a:p>
+          <a:p>
+            <a:pPr marL="0" indent="0">
+              <a:buNone/>
+            </a:pPr>
+            <a:r>
+              <a:rPr lang="en-US" altLang="ko-KR" dirty="0"/>
+              <a:t>Time series prediction model using LSTM-Transformer, 2024</a:t>
+            </a:r>
+          </a:p>
+          <a:p>
+            <a:pPr marL="0" indent="0">
+              <a:buNone/>
+            </a:pPr>
+            <a:r>
+              <a:rPr lang="en-US" altLang="ko-KR" dirty="0">
+                <a:hlinkClick r:id="rId2"/>
+              </a:rPr>
+              <a:t>https://codingopera.tistory.com/43</a:t>
+            </a:r>
+            <a:endParaRPr lang="en-US" altLang="ko-KR" dirty="0"/>
+          </a:p>
+          <a:p>
+            <a:pPr marL="0" indent="0">
+              <a:buNone/>
+            </a:pPr>
+            <a:endParaRPr lang="en-US" altLang="ko-KR" dirty="0"/>
+          </a:p>
+        </p:txBody>
+      </p:sp>
+    </p:spTree>
+    <p:extLst>
+      <p:ext uri="{BB962C8B-B14F-4D97-AF65-F5344CB8AC3E}">
+        <p14:creationId xmlns:p14="http://schemas.microsoft.com/office/powerpoint/2010/main" val="789914775"/>
+      </p:ext>
+    </p:extLst>
+  </p:cSld>
+  <p:clrMapOvr>
+    <a:masterClrMapping/>
+  </p:clrMapOvr>
+</p:sld>
+</file>
+
 <file path=ppt/slides/slide2.xml><?xml version="1.0" encoding="utf-8"?>
 <p:sld xmlns:a="http://schemas.openxmlformats.org/drawingml/2006/main" xmlns:r="http://schemas.openxmlformats.org/officeDocument/2006/relationships" xmlns:p="http://schemas.openxmlformats.org/presentationml/2006/main">
   <p:cSld>
@@ -4083,6 +4200,481 @@
 </file>
 
 <file path=ppt/slides/slide4.xml><?xml version="1.0" encoding="utf-8"?>
+<p:sld xmlns:a="http://schemas.openxmlformats.org/drawingml/2006/main" xmlns:r="http://schemas.openxmlformats.org/officeDocument/2006/relationships" xmlns:p="http://schemas.openxmlformats.org/presentationml/2006/main">
+  <p:cSld>
+    <p:spTree>
+      <p:nvGrpSpPr>
+        <p:cNvPr id="1" name=""/>
+        <p:cNvGrpSpPr/>
+        <p:nvPr/>
+      </p:nvGrpSpPr>
+      <p:grpSpPr>
+        <a:xfrm>
+          <a:off x="0" y="0"/>
+          <a:ext cx="0" cy="0"/>
+          <a:chOff x="0" y="0"/>
+          <a:chExt cx="0" cy="0"/>
+        </a:xfrm>
+      </p:grpSpPr>
+      <p:sp>
+        <p:nvSpPr>
+          <p:cNvPr id="2" name="제목 1">
+            <a:extLst>
+              <a:ext uri="{FF2B5EF4-FFF2-40B4-BE49-F238E27FC236}">
+                <a16:creationId xmlns:a16="http://schemas.microsoft.com/office/drawing/2014/main" id="{733825F2-7AD6-D940-2F56-1B3DD04EFEF5}"/>
+              </a:ext>
+            </a:extLst>
+          </p:cNvPr>
+          <p:cNvSpPr>
+            <a:spLocks noGrp="1"/>
+          </p:cNvSpPr>
+          <p:nvPr>
+            <p:ph type="title"/>
+          </p:nvPr>
+        </p:nvSpPr>
+        <p:spPr/>
+        <p:txBody>
+          <a:bodyPr/>
+          <a:lstStyle/>
+          <a:p>
+            <a:r>
+              <a:rPr lang="en-US" altLang="ko-KR" dirty="0"/>
+              <a:t>Transformer</a:t>
+            </a:r>
+            <a:endParaRPr lang="ko-KR" altLang="en-US" dirty="0"/>
+          </a:p>
+        </p:txBody>
+      </p:sp>
+      <mc:AlternateContent xmlns:mc="http://schemas.openxmlformats.org/markup-compatibility/2006">
+        <mc:Choice xmlns:a14="http://schemas.microsoft.com/office/drawing/2010/main" Requires="a14">
+          <p:sp>
+            <p:nvSpPr>
+              <p:cNvPr id="3" name="내용 개체 틀 2">
+                <a:extLst>
+                  <a:ext uri="{FF2B5EF4-FFF2-40B4-BE49-F238E27FC236}">
+                    <a16:creationId xmlns:a16="http://schemas.microsoft.com/office/drawing/2014/main" id="{2DF3A869-4352-AE0E-69EC-C6BD58D9B559}"/>
+                  </a:ext>
+                </a:extLst>
+              </p:cNvPr>
+              <p:cNvSpPr>
+                <a:spLocks noGrp="1"/>
+              </p:cNvSpPr>
+              <p:nvPr>
+                <p:ph sz="half" idx="1"/>
+              </p:nvPr>
+            </p:nvSpPr>
+            <p:spPr>
+              <a:xfrm>
+                <a:off x="838199" y="1825625"/>
+                <a:ext cx="5556959" cy="4351338"/>
+              </a:xfrm>
+            </p:spPr>
+            <p:txBody>
+              <a:bodyPr/>
+              <a:lstStyle/>
+              <a:p>
+                <a:r>
+                  <a:rPr lang="en-US" altLang="ko-KR" dirty="0"/>
+                  <a:t>Self-Attention</a:t>
+                </a:r>
+              </a:p>
+              <a:p>
+                <a:pPr lvl="1"/>
+                <a:r>
+                  <a:rPr lang="ko-KR" altLang="en-US" sz="2000" dirty="0"/>
+                  <a:t>연관성이 높은 요소끼리 연결하기 위해서 활용</a:t>
+                </a:r>
+                <a:endParaRPr lang="en-US" altLang="ko-KR" sz="2000" dirty="0"/>
+              </a:p>
+              <a:p>
+                <a:pPr lvl="1"/>
+                <a14:m>
+                  <m:oMath xmlns:m="http://schemas.openxmlformats.org/officeDocument/2006/math">
+                    <m:r>
+                      <a:rPr lang="en-US" altLang="ko-KR" sz="2000" b="0" i="1" smtClean="0">
+                        <a:latin typeface="Cambria Math" panose="02040503050406030204" pitchFamily="18" charset="0"/>
+                      </a:rPr>
+                      <m:t>𝑄</m:t>
+                    </m:r>
+                    <m:r>
+                      <a:rPr lang="en-US" altLang="ko-KR" sz="2000" b="0" i="1" smtClean="0">
+                        <a:latin typeface="Cambria Math" panose="02040503050406030204" pitchFamily="18" charset="0"/>
+                      </a:rPr>
+                      <m:t>,</m:t>
+                    </m:r>
+                    <m:r>
+                      <a:rPr lang="en-US" altLang="ko-KR" sz="2000" b="0" i="1" smtClean="0">
+                        <a:latin typeface="Cambria Math" panose="02040503050406030204" pitchFamily="18" charset="0"/>
+                      </a:rPr>
+                      <m:t>𝐾</m:t>
+                    </m:r>
+                    <m:r>
+                      <a:rPr lang="en-US" altLang="ko-KR" sz="2000" b="0" i="1" smtClean="0">
+                        <a:latin typeface="Cambria Math" panose="02040503050406030204" pitchFamily="18" charset="0"/>
+                      </a:rPr>
+                      <m:t>,</m:t>
+                    </m:r>
+                    <m:r>
+                      <a:rPr lang="en-US" altLang="ko-KR" sz="2000" b="0" i="1" smtClean="0">
+                        <a:latin typeface="Cambria Math" panose="02040503050406030204" pitchFamily="18" charset="0"/>
+                      </a:rPr>
+                      <m:t>𝑉</m:t>
+                    </m:r>
+                  </m:oMath>
+                </a14:m>
+                <a:r>
+                  <a:rPr lang="ko-KR" altLang="en-US" sz="2000" dirty="0"/>
+                  <a:t>는 각각 </a:t>
+                </a:r>
+                <a:r>
+                  <a:rPr lang="en-US" altLang="ko-KR" sz="2000" dirty="0"/>
+                  <a:t>(Query, Key, Value)</a:t>
+                </a:r>
+              </a:p>
+              <a:p>
+                <a:pPr lvl="1"/>
+                <a14:m>
+                  <m:oMath xmlns:m="http://schemas.openxmlformats.org/officeDocument/2006/math">
+                    <m:sSub>
+                      <m:sSubPr>
+                        <m:ctrlPr>
+                          <a:rPr lang="en-US" altLang="ko-KR" sz="2000" b="0" i="1" smtClean="0">
+                            <a:latin typeface="Cambria Math" panose="02040503050406030204" pitchFamily="18" charset="0"/>
+                          </a:rPr>
+                        </m:ctrlPr>
+                      </m:sSubPr>
+                      <m:e>
+                        <m:r>
+                          <a:rPr lang="en-US" altLang="ko-KR" sz="2000" b="0" i="1" smtClean="0">
+                            <a:latin typeface="Cambria Math" panose="02040503050406030204" pitchFamily="18" charset="0"/>
+                          </a:rPr>
+                          <m:t>𝑑</m:t>
+                        </m:r>
+                      </m:e>
+                      <m:sub>
+                        <m:r>
+                          <a:rPr lang="en-US" altLang="ko-KR" sz="2000" b="0" i="1" smtClean="0">
+                            <a:latin typeface="Cambria Math" panose="02040503050406030204" pitchFamily="18" charset="0"/>
+                          </a:rPr>
+                          <m:t>𝑘</m:t>
+                        </m:r>
+                      </m:sub>
+                    </m:sSub>
+                  </m:oMath>
+                </a14:m>
+                <a:r>
+                  <a:rPr lang="en-US" altLang="ko-KR" sz="2000" dirty="0"/>
+                  <a:t>: </a:t>
+                </a:r>
+                <a:r>
+                  <a:rPr lang="ko-KR" altLang="en-US" sz="2000" dirty="0" err="1"/>
+                  <a:t>임베딩</a:t>
+                </a:r>
+                <a:r>
+                  <a:rPr lang="ko-KR" altLang="en-US" sz="2000" dirty="0"/>
+                  <a:t> 벡터</a:t>
+                </a:r>
+                <a:endParaRPr lang="en-US" altLang="ko-KR" sz="2000" dirty="0"/>
+              </a:p>
+              <a:p>
+                <a:pPr lvl="1"/>
+                <a14:m>
+                  <m:oMath xmlns:m="http://schemas.openxmlformats.org/officeDocument/2006/math">
+                    <m:sSup>
+                      <m:sSupPr>
+                        <m:ctrlPr>
+                          <a:rPr lang="en-US" altLang="ko-KR" sz="2000" i="1" smtClean="0">
+                            <a:latin typeface="Cambria Math" panose="02040503050406030204" pitchFamily="18" charset="0"/>
+                          </a:rPr>
+                        </m:ctrlPr>
+                      </m:sSupPr>
+                      <m:e>
+                        <m:r>
+                          <a:rPr lang="en-US" altLang="ko-KR" sz="2000" b="0" i="1" smtClean="0">
+                            <a:latin typeface="Cambria Math" panose="02040503050406030204" pitchFamily="18" charset="0"/>
+                          </a:rPr>
+                          <m:t>𝑄𝐾</m:t>
+                        </m:r>
+                      </m:e>
+                      <m:sup>
+                        <m:r>
+                          <a:rPr lang="en-US" altLang="ko-KR" sz="2000" b="0" i="1" smtClean="0">
+                            <a:latin typeface="Cambria Math" panose="02040503050406030204" pitchFamily="18" charset="0"/>
+                          </a:rPr>
+                          <m:t>𝑇</m:t>
+                        </m:r>
+                      </m:sup>
+                    </m:sSup>
+                  </m:oMath>
+                </a14:m>
+                <a:r>
+                  <a:rPr lang="en-US" altLang="ko-KR" sz="2000" dirty="0"/>
+                  <a:t>: </a:t>
+                </a:r>
+                <a:r>
+                  <a:rPr lang="ko-KR" altLang="en-US" sz="2000" dirty="0"/>
+                  <a:t>모든 위치 간 유사도 계산</a:t>
+                </a:r>
+                <a:endParaRPr lang="en-US" altLang="ko-KR" sz="2000" dirty="0"/>
+              </a:p>
+              <a:p>
+                <a:pPr lvl="1"/>
+                <a14:m>
+                  <m:oMath xmlns:m="http://schemas.openxmlformats.org/officeDocument/2006/math">
+                    <m:f>
+                      <m:fPr>
+                        <m:ctrlPr>
+                          <a:rPr lang="en-US" altLang="ko-KR" sz="2000" i="1" smtClean="0">
+                            <a:latin typeface="Cambria Math" panose="02040503050406030204" pitchFamily="18" charset="0"/>
+                          </a:rPr>
+                        </m:ctrlPr>
+                      </m:fPr>
+                      <m:num>
+                        <m:r>
+                          <a:rPr lang="en-US" altLang="ko-KR" sz="2000" b="0" i="1" smtClean="0">
+                            <a:latin typeface="Cambria Math" panose="02040503050406030204" pitchFamily="18" charset="0"/>
+                          </a:rPr>
+                          <m:t>1</m:t>
+                        </m:r>
+                      </m:num>
+                      <m:den>
+                        <m:rad>
+                          <m:radPr>
+                            <m:degHide m:val="on"/>
+                            <m:ctrlPr>
+                              <a:rPr lang="en-US" altLang="ko-KR" sz="2000" i="1" smtClean="0">
+                                <a:latin typeface="Cambria Math" panose="02040503050406030204" pitchFamily="18" charset="0"/>
+                              </a:rPr>
+                            </m:ctrlPr>
+                          </m:radPr>
+                          <m:deg/>
+                          <m:e>
+                            <m:sSub>
+                              <m:sSubPr>
+                                <m:ctrlPr>
+                                  <a:rPr lang="en-US" altLang="ko-KR" sz="2000" i="1">
+                                    <a:latin typeface="Cambria Math" panose="02040503050406030204" pitchFamily="18" charset="0"/>
+                                  </a:rPr>
+                                </m:ctrlPr>
+                              </m:sSubPr>
+                              <m:e>
+                                <m:r>
+                                  <a:rPr lang="en-US" altLang="ko-KR" sz="2000" i="1">
+                                    <a:latin typeface="Cambria Math" panose="02040503050406030204" pitchFamily="18" charset="0"/>
+                                  </a:rPr>
+                                  <m:t>𝑑</m:t>
+                                </m:r>
+                              </m:e>
+                              <m:sub>
+                                <m:r>
+                                  <a:rPr lang="en-US" altLang="ko-KR" sz="2000" i="1">
+                                    <a:latin typeface="Cambria Math" panose="02040503050406030204" pitchFamily="18" charset="0"/>
+                                  </a:rPr>
+                                  <m:t>𝑘</m:t>
+                                </m:r>
+                              </m:sub>
+                            </m:sSub>
+                          </m:e>
+                        </m:rad>
+                      </m:den>
+                    </m:f>
+                    <m:r>
+                      <a:rPr lang="en-US" altLang="ko-KR" sz="2000" b="0" i="1" smtClean="0">
+                        <a:latin typeface="Cambria Math" panose="02040503050406030204" pitchFamily="18" charset="0"/>
+                      </a:rPr>
+                      <m:t>:</m:t>
+                    </m:r>
+                  </m:oMath>
+                </a14:m>
+                <a:r>
+                  <a:rPr lang="en-US" altLang="ko-KR" sz="2000" dirty="0"/>
+                  <a:t> scaling</a:t>
+                </a:r>
+                <a:r>
+                  <a:rPr lang="ko-KR" altLang="en-US" sz="2000" dirty="0"/>
+                  <a:t>해서 안정적인 </a:t>
+                </a:r>
+                <a:r>
+                  <a:rPr lang="en-US" altLang="ko-KR" sz="2000" dirty="0" err="1"/>
+                  <a:t>softmax</a:t>
+                </a:r>
+                <a:r>
+                  <a:rPr lang="en-US" altLang="ko-KR" sz="2000" dirty="0"/>
+                  <a:t> </a:t>
+                </a:r>
+                <a:r>
+                  <a:rPr lang="ko-KR" altLang="en-US" sz="2000" dirty="0"/>
+                  <a:t>작동</a:t>
+                </a:r>
+                <a:endParaRPr lang="en-US" altLang="ko-KR" sz="2000" dirty="0"/>
+              </a:p>
+              <a:p>
+                <a:pPr lvl="1"/>
+                <a14:m>
+                  <m:oMath xmlns:m="http://schemas.openxmlformats.org/officeDocument/2006/math">
+                    <m:r>
+                      <a:rPr lang="en-US" altLang="ko-KR" sz="2000" b="0" i="1" smtClean="0">
+                        <a:latin typeface="Cambria Math" panose="02040503050406030204" pitchFamily="18" charset="0"/>
+                      </a:rPr>
+                      <m:t>𝑠𝑜𝑓𝑡𝑚𝑎𝑥</m:t>
+                    </m:r>
+                  </m:oMath>
+                </a14:m>
+                <a:r>
+                  <a:rPr lang="ko-KR" altLang="en-US" sz="2000" dirty="0"/>
+                  <a:t> 함수로 정규화 </a:t>
+                </a:r>
+                <a:r>
+                  <a:rPr lang="en-US" altLang="ko-KR" sz="2000" dirty="0"/>
+                  <a:t>(</a:t>
+                </a:r>
+                <a:r>
+                  <a:rPr lang="ko-KR" altLang="en-US" sz="2000" dirty="0"/>
+                  <a:t>전체 합이 </a:t>
+                </a:r>
+                <a:r>
+                  <a:rPr lang="en-US" altLang="ko-KR" sz="2000" dirty="0"/>
+                  <a:t>1)</a:t>
+                </a:r>
+                <a:endParaRPr lang="ko-KR" altLang="en-US" sz="2000" dirty="0"/>
+              </a:p>
+            </p:txBody>
+          </p:sp>
+        </mc:Choice>
+        <mc:Fallback>
+          <p:sp>
+            <p:nvSpPr>
+              <p:cNvPr id="3" name="내용 개체 틀 2">
+                <a:extLst>
+                  <a:ext uri="{FF2B5EF4-FFF2-40B4-BE49-F238E27FC236}">
+                    <a16:creationId xmlns:a16="http://schemas.microsoft.com/office/drawing/2014/main" id="{2DF3A869-4352-AE0E-69EC-C6BD58D9B559}"/>
+                  </a:ext>
+                </a:extLst>
+              </p:cNvPr>
+              <p:cNvSpPr>
+                <a:spLocks noGrp="1" noRot="1" noChangeAspect="1" noMove="1" noResize="1" noEditPoints="1" noAdjustHandles="1" noChangeArrowheads="1" noChangeShapeType="1" noTextEdit="1"/>
+              </p:cNvSpPr>
+              <p:nvPr>
+                <p:ph sz="half" idx="1"/>
+              </p:nvPr>
+            </p:nvSpPr>
+            <p:spPr>
+              <a:xfrm>
+                <a:off x="838199" y="1825625"/>
+                <a:ext cx="5556959" cy="4351338"/>
+              </a:xfrm>
+              <a:blipFill>
+                <a:blip r:embed="rId2"/>
+                <a:stretch>
+                  <a:fillRect l="-1864" t="-2381" r="-1096"/>
+                </a:stretch>
+              </a:blipFill>
+            </p:spPr>
+            <p:txBody>
+              <a:bodyPr/>
+              <a:lstStyle/>
+              <a:p>
+                <a:r>
+                  <a:rPr lang="ko-KR" altLang="en-US">
+                    <a:noFill/>
+                  </a:rPr>
+                  <a:t> </a:t>
+                </a:r>
+              </a:p>
+            </p:txBody>
+          </p:sp>
+        </mc:Fallback>
+      </mc:AlternateContent>
+      <p:pic>
+        <p:nvPicPr>
+          <p:cNvPr id="8" name="내용 개체 틀 7">
+            <a:extLst>
+              <a:ext uri="{FF2B5EF4-FFF2-40B4-BE49-F238E27FC236}">
+                <a16:creationId xmlns:a16="http://schemas.microsoft.com/office/drawing/2014/main" id="{DAFCB147-4853-304E-DDCA-EA7B9D5149EF}"/>
+              </a:ext>
+            </a:extLst>
+          </p:cNvPr>
+          <p:cNvPicPr>
+            <a:picLocks noGrp="1" noChangeAspect="1"/>
+          </p:cNvPicPr>
+          <p:nvPr>
+            <p:ph sz="half" idx="2"/>
+          </p:nvPr>
+        </p:nvPicPr>
+        <p:blipFill>
+          <a:blip r:embed="rId3"/>
+          <a:stretch>
+            <a:fillRect/>
+          </a:stretch>
+        </p:blipFill>
+        <p:spPr>
+          <a:xfrm>
+            <a:off x="7162215" y="4965786"/>
+            <a:ext cx="4191585" cy="800212"/>
+          </a:xfrm>
+        </p:spPr>
+      </p:pic>
+      <p:pic>
+        <p:nvPicPr>
+          <p:cNvPr id="1028" name="Picture 4">
+            <a:extLst>
+              <a:ext uri="{FF2B5EF4-FFF2-40B4-BE49-F238E27FC236}">
+                <a16:creationId xmlns:a16="http://schemas.microsoft.com/office/drawing/2014/main" id="{CCC689B7-228C-EB5A-99DA-8DEE77C40F00}"/>
+              </a:ext>
+            </a:extLst>
+          </p:cNvPr>
+          <p:cNvPicPr>
+            <a:picLocks noChangeAspect="1" noChangeArrowheads="1"/>
+          </p:cNvPicPr>
+          <p:nvPr/>
+        </p:nvPicPr>
+        <p:blipFill>
+          <a:blip r:embed="rId4">
+            <a:extLst>
+              <a:ext uri="{28A0092B-C50C-407E-A947-70E740481C1C}">
+                <a14:useLocalDpi xmlns:a14="http://schemas.microsoft.com/office/drawing/2010/main" val="0"/>
+              </a:ext>
+            </a:extLst>
+          </a:blip>
+          <a:srcRect/>
+          <a:stretch>
+            <a:fillRect/>
+          </a:stretch>
+        </p:blipFill>
+        <p:spPr bwMode="auto">
+          <a:xfrm>
+            <a:off x="7929269" y="1092002"/>
+            <a:ext cx="2657475" cy="2914650"/>
+          </a:xfrm>
+          <a:prstGeom prst="rect">
+            <a:avLst/>
+          </a:prstGeom>
+          <a:noFill/>
+          <a:extLst>
+            <a:ext uri="{909E8E84-426E-40DD-AFC4-6F175D3DCCD1}">
+              <a14:hiddenFill xmlns:a14="http://schemas.microsoft.com/office/drawing/2010/main">
+                <a:solidFill>
+                  <a:srgbClr val="FFFFFF"/>
+                </a:solidFill>
+              </a14:hiddenFill>
+            </a:ext>
+          </a:extLst>
+        </p:spPr>
+      </p:pic>
+    </p:spTree>
+    <p:extLst>
+      <p:ext uri="{BB962C8B-B14F-4D97-AF65-F5344CB8AC3E}">
+        <p14:creationId xmlns:p14="http://schemas.microsoft.com/office/powerpoint/2010/main" val="3934876709"/>
+      </p:ext>
+    </p:extLst>
+  </p:cSld>
+  <p:clrMapOvr>
+    <a:masterClrMapping/>
+  </p:clrMapOvr>
+</p:sld>
+</file>
+
+<file path=ppt/slides/slide5.xml><?xml version="1.0" encoding="utf-8"?>
 <p:sld xmlns:a="http://schemas.openxmlformats.org/drawingml/2006/main" xmlns:r="http://schemas.openxmlformats.org/officeDocument/2006/relationships" xmlns:p="http://schemas.openxmlformats.org/presentationml/2006/main">
   <p:cSld>
     <p:spTree>
@@ -4297,7 +4889,7 @@
 </p:sld>
 </file>
 
-<file path=ppt/slides/slide5.xml><?xml version="1.0" encoding="utf-8"?>
+<file path=ppt/slides/slide6.xml><?xml version="1.0" encoding="utf-8"?>
 <p:sld xmlns:a="http://schemas.openxmlformats.org/drawingml/2006/main" xmlns:r="http://schemas.openxmlformats.org/officeDocument/2006/relationships" xmlns:p="http://schemas.openxmlformats.org/presentationml/2006/main">
   <p:cSld>
     <p:spTree>
@@ -4362,7 +4954,7 @@
 </p:sld>
 </file>
 
-<file path=ppt/slides/slide6.xml><?xml version="1.0" encoding="utf-8"?>
+<file path=ppt/slides/slide7.xml><?xml version="1.0" encoding="utf-8"?>
 <p:sld xmlns:a="http://schemas.openxmlformats.org/drawingml/2006/main" xmlns:r="http://schemas.openxmlformats.org/officeDocument/2006/relationships" xmlns:p="http://schemas.openxmlformats.org/presentationml/2006/main">
   <p:cSld>
     <p:spTree>
@@ -4614,7 +5206,7 @@
 </p:sld>
 </file>
 
-<file path=ppt/slides/slide7.xml><?xml version="1.0" encoding="utf-8"?>
+<file path=ppt/slides/slide8.xml><?xml version="1.0" encoding="utf-8"?>
 <p:sld xmlns:a="http://schemas.openxmlformats.org/drawingml/2006/main" xmlns:r="http://schemas.openxmlformats.org/officeDocument/2006/relationships" xmlns:p="http://schemas.openxmlformats.org/presentationml/2006/main">
   <p:cSld>
     <p:spTree>
@@ -4880,7 +5472,7 @@
 </p:sld>
 </file>
 
-<file path=ppt/slides/slide8.xml><?xml version="1.0" encoding="utf-8"?>
+<file path=ppt/slides/slide9.xml><?xml version="1.0" encoding="utf-8"?>
 <p:sld xmlns:a="http://schemas.openxmlformats.org/drawingml/2006/main" xmlns:r="http://schemas.openxmlformats.org/officeDocument/2006/relationships" xmlns:p="http://schemas.openxmlformats.org/presentationml/2006/main">
   <p:cSld>
     <p:spTree>
@@ -5097,110 +5689,6 @@
     <p:extLst>
       <p:ext uri="{BB962C8B-B14F-4D97-AF65-F5344CB8AC3E}">
         <p14:creationId xmlns:p14="http://schemas.microsoft.com/office/powerpoint/2010/main" val="3695224678"/>
-      </p:ext>
-    </p:extLst>
-  </p:cSld>
-  <p:clrMapOvr>
-    <a:masterClrMapping/>
-  </p:clrMapOvr>
-</p:sld>
-</file>
-
-<file path=ppt/slides/slide9.xml><?xml version="1.0" encoding="utf-8"?>
-<p:sld xmlns:a="http://schemas.openxmlformats.org/drawingml/2006/main" xmlns:r="http://schemas.openxmlformats.org/officeDocument/2006/relationships" xmlns:p="http://schemas.openxmlformats.org/presentationml/2006/main">
-  <p:cSld>
-    <p:spTree>
-      <p:nvGrpSpPr>
-        <p:cNvPr id="1" name=""/>
-        <p:cNvGrpSpPr/>
-        <p:nvPr/>
-      </p:nvGrpSpPr>
-      <p:grpSpPr>
-        <a:xfrm>
-          <a:off x="0" y="0"/>
-          <a:ext cx="0" cy="0"/>
-          <a:chOff x="0" y="0"/>
-          <a:chExt cx="0" cy="0"/>
-        </a:xfrm>
-      </p:grpSpPr>
-      <p:sp>
-        <p:nvSpPr>
-          <p:cNvPr id="2" name="제목 1">
-            <a:extLst>
-              <a:ext uri="{FF2B5EF4-FFF2-40B4-BE49-F238E27FC236}">
-                <a16:creationId xmlns:a16="http://schemas.microsoft.com/office/drawing/2014/main" id="{085C87DA-E550-D2D1-9BBD-9392C2209A57}"/>
-              </a:ext>
-            </a:extLst>
-          </p:cNvPr>
-          <p:cNvSpPr>
-            <a:spLocks noGrp="1"/>
-          </p:cNvSpPr>
-          <p:nvPr>
-            <p:ph type="title"/>
-          </p:nvPr>
-        </p:nvSpPr>
-        <p:spPr/>
-        <p:txBody>
-          <a:bodyPr/>
-          <a:lstStyle/>
-          <a:p>
-            <a:r>
-              <a:rPr lang="ko-KR" altLang="en-US" dirty="0"/>
-              <a:t>참고문헌</a:t>
-            </a:r>
-          </a:p>
-        </p:txBody>
-      </p:sp>
-      <p:sp>
-        <p:nvSpPr>
-          <p:cNvPr id="3" name="내용 개체 틀 2">
-            <a:extLst>
-              <a:ext uri="{FF2B5EF4-FFF2-40B4-BE49-F238E27FC236}">
-                <a16:creationId xmlns:a16="http://schemas.microsoft.com/office/drawing/2014/main" id="{FC01AECF-6CDF-59EF-6C50-E65929BE1DC9}"/>
-              </a:ext>
-            </a:extLst>
-          </p:cNvPr>
-          <p:cNvSpPr>
-            <a:spLocks noGrp="1"/>
-          </p:cNvSpPr>
-          <p:nvPr>
-            <p:ph idx="1"/>
-          </p:nvPr>
-        </p:nvSpPr>
-        <p:spPr/>
-        <p:txBody>
-          <a:bodyPr/>
-          <a:lstStyle/>
-          <a:p>
-            <a:pPr marL="0" indent="0">
-              <a:buNone/>
-            </a:pPr>
-            <a:r>
-              <a:rPr lang="en-US" altLang="ko-KR" dirty="0"/>
-              <a:t>Attention Is All You Need, 2017</a:t>
-            </a:r>
-          </a:p>
-          <a:p>
-            <a:pPr marL="0" indent="0">
-              <a:buNone/>
-            </a:pPr>
-            <a:r>
-              <a:rPr lang="en-US" altLang="ko-KR" dirty="0"/>
-              <a:t>Time series prediction model using LSTM-Transformer, 2024</a:t>
-            </a:r>
-          </a:p>
-          <a:p>
-            <a:pPr marL="0" indent="0">
-              <a:buNone/>
-            </a:pPr>
-            <a:endParaRPr lang="en-US" altLang="ko-KR" dirty="0"/>
-          </a:p>
-        </p:txBody>
-      </p:sp>
-    </p:spTree>
-    <p:extLst>
-      <p:ext uri="{BB962C8B-B14F-4D97-AF65-F5344CB8AC3E}">
-        <p14:creationId xmlns:p14="http://schemas.microsoft.com/office/powerpoint/2010/main" val="789914775"/>
       </p:ext>
     </p:extLst>
   </p:cSld>
